--- a/Project_Weekly_Report_1_17_19.pptx
+++ b/Project_Weekly_Report_1_17_19.pptx
@@ -302,7 +302,7 @@
           <a:p>
             <a:fld id="{DBDCF32A-0251-DF45-8ADC-557809B81E02}" type="datetimeFigureOut">
               <a:rPr lang="en-US" smtClean="0"/>
-              <a:t>1/17/2019</a:t>
+              <a:t>1/26/2019</a:t>
             </a:fld>
             <a:endParaRPr lang="en-US"/>
           </a:p>
@@ -470,7 +470,7 @@
           <a:p>
             <a:fld id="{DBDCF32A-0251-DF45-8ADC-557809B81E02}" type="datetimeFigureOut">
               <a:rPr lang="en-US" smtClean="0"/>
-              <a:t>1/17/2019</a:t>
+              <a:t>1/26/2019</a:t>
             </a:fld>
             <a:endParaRPr lang="en-US"/>
           </a:p>
@@ -648,7 +648,7 @@
           <a:p>
             <a:fld id="{DBDCF32A-0251-DF45-8ADC-557809B81E02}" type="datetimeFigureOut">
               <a:rPr lang="en-US" smtClean="0"/>
-              <a:t>1/17/2019</a:t>
+              <a:t>1/26/2019</a:t>
             </a:fld>
             <a:endParaRPr lang="en-US"/>
           </a:p>
@@ -816,7 +816,7 @@
           <a:p>
             <a:fld id="{DBDCF32A-0251-DF45-8ADC-557809B81E02}" type="datetimeFigureOut">
               <a:rPr lang="en-US" smtClean="0"/>
-              <a:t>1/17/2019</a:t>
+              <a:t>1/26/2019</a:t>
             </a:fld>
             <a:endParaRPr lang="en-US"/>
           </a:p>
@@ -1061,7 +1061,7 @@
           <a:p>
             <a:fld id="{DBDCF32A-0251-DF45-8ADC-557809B81E02}" type="datetimeFigureOut">
               <a:rPr lang="en-US" smtClean="0"/>
-              <a:t>1/17/2019</a:t>
+              <a:t>1/26/2019</a:t>
             </a:fld>
             <a:endParaRPr lang="en-US"/>
           </a:p>
@@ -1346,7 +1346,7 @@
           <a:p>
             <a:fld id="{DBDCF32A-0251-DF45-8ADC-557809B81E02}" type="datetimeFigureOut">
               <a:rPr lang="en-US" smtClean="0"/>
-              <a:t>1/17/2019</a:t>
+              <a:t>1/26/2019</a:t>
             </a:fld>
             <a:endParaRPr lang="en-US"/>
           </a:p>
@@ -1765,7 +1765,7 @@
           <a:p>
             <a:fld id="{DBDCF32A-0251-DF45-8ADC-557809B81E02}" type="datetimeFigureOut">
               <a:rPr lang="en-US" smtClean="0"/>
-              <a:t>1/17/2019</a:t>
+              <a:t>1/26/2019</a:t>
             </a:fld>
             <a:endParaRPr lang="en-US"/>
           </a:p>
@@ -1882,7 +1882,7 @@
           <a:p>
             <a:fld id="{DBDCF32A-0251-DF45-8ADC-557809B81E02}" type="datetimeFigureOut">
               <a:rPr lang="en-US" smtClean="0"/>
-              <a:t>1/17/2019</a:t>
+              <a:t>1/26/2019</a:t>
             </a:fld>
             <a:endParaRPr lang="en-US"/>
           </a:p>
@@ -1977,7 +1977,7 @@
           <a:p>
             <a:fld id="{DBDCF32A-0251-DF45-8ADC-557809B81E02}" type="datetimeFigureOut">
               <a:rPr lang="en-US" smtClean="0"/>
-              <a:t>1/17/2019</a:t>
+              <a:t>1/26/2019</a:t>
             </a:fld>
             <a:endParaRPr lang="en-US"/>
           </a:p>
@@ -2252,7 +2252,7 @@
           <a:p>
             <a:fld id="{DBDCF32A-0251-DF45-8ADC-557809B81E02}" type="datetimeFigureOut">
               <a:rPr lang="en-US" smtClean="0"/>
-              <a:t>1/17/2019</a:t>
+              <a:t>1/26/2019</a:t>
             </a:fld>
             <a:endParaRPr lang="en-US"/>
           </a:p>
@@ -2504,7 +2504,7 @@
           <a:p>
             <a:fld id="{DBDCF32A-0251-DF45-8ADC-557809B81E02}" type="datetimeFigureOut">
               <a:rPr lang="en-US" smtClean="0"/>
-              <a:t>1/17/2019</a:t>
+              <a:t>1/26/2019</a:t>
             </a:fld>
             <a:endParaRPr lang="en-US"/>
           </a:p>
@@ -2720,7 +2720,7 @@
           <a:p>
             <a:fld id="{DBDCF32A-0251-DF45-8ADC-557809B81E02}" type="datetimeFigureOut">
               <a:rPr lang="en-US" smtClean="0"/>
-              <a:t>1/17/2019</a:t>
+              <a:t>1/26/2019</a:t>
             </a:fld>
             <a:endParaRPr lang="en-US"/>
           </a:p>
@@ -3112,7 +3112,7 @@
           <p:nvPr>
             <p:extLst>
               <p:ext uri="{D42A27DB-BD31-4B8C-83A1-F6EECF244321}">
-                <p14:modId xmlns:p14="http://schemas.microsoft.com/office/powerpoint/2010/main" val="3451584315"/>
+                <p14:modId xmlns:p14="http://schemas.microsoft.com/office/powerpoint/2010/main" val="3651158269"/>
               </p:ext>
             </p:extLst>
           </p:nvPr>
@@ -3270,7 +3270,7 @@
                           <a:ea typeface="+mn-ea"/>
                           <a:cs typeface="Calibri" pitchFamily="34" charset="0"/>
                         </a:rPr>
-                        <a:t>Alex made the </a:t>
+                        <a:t>Alex worked on the roadmap and schedule and got multiple instances of </a:t>
                       </a:r>
                       <a:r>
                         <a:rPr kumimoji="0" lang="en-AU" sz="1000" b="0" i="0" u="none" strike="noStrike" kern="1200" cap="none" normalizeH="0" baseline="0" dirty="0" err="1">
@@ -3285,7 +3285,7 @@
                           <a:ea typeface="+mn-ea"/>
                           <a:cs typeface="Calibri" pitchFamily="34" charset="0"/>
                         </a:rPr>
-                        <a:t>gantt</a:t>
+                        <a:t>opencv</a:t>
                       </a:r>
                       <a:r>
                         <a:rPr kumimoji="0" lang="en-AU" sz="1000" b="0" i="0" u="none" strike="noStrike" kern="1200" cap="none" normalizeH="0" baseline="0" dirty="0">
@@ -3300,7 +3300,7 @@
                           <a:ea typeface="+mn-ea"/>
                           <a:cs typeface="Calibri" pitchFamily="34" charset="0"/>
                         </a:rPr>
-                        <a:t> chart and schedule. Alex also got OpenCV fully installed and working on his machine so he can start training.</a:t>
+                        <a:t> running and testing runtimes</a:t>
                       </a:r>
                     </a:p>
                     <a:p>
@@ -3336,7 +3336,67 @@
                           <a:ea typeface="+mn-ea"/>
                           <a:cs typeface="Calibri" pitchFamily="34" charset="0"/>
                         </a:rPr>
-                        <a:t>Ammon has been working on installing the drivers for the Intel D415 camera onto Ubuntu Mate which has been complete hell. Jake attempted to do so but failed.</a:t>
+                        <a:t>Ammon installed the drivers for the intel </a:t>
+                      </a:r>
+                      <a:r>
+                        <a:rPr kumimoji="0" lang="en-AU" sz="1000" b="0" i="0" u="none" strike="noStrike" kern="1200" cap="none" normalizeH="0" baseline="0" dirty="0" err="1">
+                          <a:ln>
+                            <a:noFill/>
+                          </a:ln>
+                          <a:solidFill>
+                            <a:schemeClr val="tx1"/>
+                          </a:solidFill>
+                          <a:effectLst/>
+                          <a:latin typeface="Calibri" pitchFamily="34" charset="0"/>
+                          <a:ea typeface="+mn-ea"/>
+                          <a:cs typeface="Calibri" pitchFamily="34" charset="0"/>
+                        </a:rPr>
+                        <a:t>realsense</a:t>
+                      </a:r>
+                      <a:r>
+                        <a:rPr kumimoji="0" lang="en-AU" sz="1000" b="0" i="0" u="none" strike="noStrike" kern="1200" cap="none" normalizeH="0" baseline="0" dirty="0">
+                          <a:ln>
+                            <a:noFill/>
+                          </a:ln>
+                          <a:solidFill>
+                            <a:schemeClr val="tx1"/>
+                          </a:solidFill>
+                          <a:effectLst/>
+                          <a:latin typeface="Calibri" pitchFamily="34" charset="0"/>
+                          <a:ea typeface="+mn-ea"/>
+                          <a:cs typeface="Calibri" pitchFamily="34" charset="0"/>
+                        </a:rPr>
+                        <a:t> onto ubuntu…which according to their </a:t>
+                      </a:r>
+                      <a:r>
+                        <a:rPr kumimoji="0" lang="en-AU" sz="1000" b="0" i="0" u="none" strike="noStrike" kern="1200" cap="none" normalizeH="0" baseline="0" dirty="0" err="1">
+                          <a:ln>
+                            <a:noFill/>
+                          </a:ln>
+                          <a:solidFill>
+                            <a:schemeClr val="tx1"/>
+                          </a:solidFill>
+                          <a:effectLst/>
+                          <a:latin typeface="Calibri" pitchFamily="34" charset="0"/>
+                          <a:ea typeface="+mn-ea"/>
+                          <a:cs typeface="Calibri" pitchFamily="34" charset="0"/>
+                        </a:rPr>
+                        <a:t>github</a:t>
+                      </a:r>
+                      <a:r>
+                        <a:rPr kumimoji="0" lang="en-AU" sz="1000" b="0" i="0" u="none" strike="noStrike" kern="1200" cap="none" normalizeH="0" baseline="0" dirty="0">
+                          <a:ln>
+                            <a:noFill/>
+                          </a:ln>
+                          <a:solidFill>
+                            <a:schemeClr val="tx1"/>
+                          </a:solidFill>
+                          <a:effectLst/>
+                          <a:latin typeface="Calibri" pitchFamily="34" charset="0"/>
+                          <a:ea typeface="+mn-ea"/>
+                          <a:cs typeface="Calibri" pitchFamily="34" charset="0"/>
+                        </a:rPr>
+                        <a:t> repo shouldn’t be possible but they appear to be working</a:t>
                       </a:r>
                     </a:p>
                     <a:p>
@@ -3372,7 +3432,7 @@
                           <a:ea typeface="+mn-ea"/>
                           <a:cs typeface="Calibri" pitchFamily="34" charset="0"/>
                         </a:rPr>
-                        <a:t>Jake made the weekly report and looked into which computer vision libraries to use for object recognition, how we’re going to do the </a:t>
+                        <a:t>Jake installed intel </a:t>
                       </a:r>
                       <a:r>
                         <a:rPr kumimoji="0" lang="en-AU" sz="1000" b="0" i="0" u="none" strike="noStrike" kern="1200" cap="none" normalizeH="0" baseline="0" dirty="0" err="1">
@@ -3387,7 +3447,7 @@
                           <a:ea typeface="+mn-ea"/>
                           <a:cs typeface="Calibri" pitchFamily="34" charset="0"/>
                         </a:rPr>
-                        <a:t>downsampling</a:t>
+                        <a:t>realsense</a:t>
                       </a:r>
                       <a:r>
                         <a:rPr kumimoji="0" lang="en-AU" sz="1000" b="0" i="0" u="none" strike="noStrike" kern="1200" cap="none" normalizeH="0" baseline="0" dirty="0">
@@ -3402,7 +3462,7 @@
                           <a:ea typeface="+mn-ea"/>
                           <a:cs typeface="Calibri" pitchFamily="34" charset="0"/>
                         </a:rPr>
-                        <a:t> needed because the camera doesn’t fully support raspberry pi at its full resolution. Jake is still working on porting the design spec to LATEX.</a:t>
+                        <a:t> camera software onto windows and updated the drivers for the camera. Jake also fixed the design spec.</a:t>
                       </a:r>
                     </a:p>
                   </a:txBody>
@@ -3566,14 +3626,14 @@
           <p:nvPr>
             <p:extLst>
               <p:ext uri="{D42A27DB-BD31-4B8C-83A1-F6EECF244321}">
-                <p14:modId xmlns:p14="http://schemas.microsoft.com/office/powerpoint/2010/main" val="551352670"/>
+                <p14:modId xmlns:p14="http://schemas.microsoft.com/office/powerpoint/2010/main" val="2264575643"/>
               </p:ext>
             </p:extLst>
           </p:nvPr>
         </p:nvGraphicFramePr>
         <p:xfrm>
           <a:off x="251520" y="4115299"/>
-          <a:ext cx="4305300" cy="2386151"/>
+          <a:ext cx="4305300" cy="3326613"/>
         </p:xfrm>
         <a:graphic>
           <a:graphicData uri="http://schemas.openxmlformats.org/drawingml/2006/table">
@@ -3712,6 +3772,21 @@
                         <a:defRPr/>
                       </a:pPr>
                       <a:r>
+                        <a:rPr kumimoji="0" lang="en-AU" sz="1000" b="0" i="0" u="none" strike="noStrike" kern="1200" cap="none" normalizeH="0" baseline="0" dirty="0" err="1">
+                          <a:ln>
+                            <a:noFill/>
+                          </a:ln>
+                          <a:solidFill>
+                            <a:schemeClr val="tx1"/>
+                          </a:solidFill>
+                          <a:effectLst/>
+                          <a:latin typeface="Calibri" pitchFamily="34" charset="0"/>
+                          <a:ea typeface="+mn-ea"/>
+                          <a:cs typeface="Calibri" pitchFamily="34" charset="0"/>
+                        </a:rPr>
+                        <a:t>Trilateralization</a:t>
+                      </a:r>
+                      <a:r>
                         <a:rPr kumimoji="0" lang="en-AU" sz="1000" b="0" i="0" u="none" strike="noStrike" kern="1200" cap="none" normalizeH="0" baseline="0" dirty="0">
                           <a:ln>
                             <a:noFill/>
@@ -3724,7 +3799,7 @@
                           <a:ea typeface="+mn-ea"/>
                           <a:cs typeface="Calibri" pitchFamily="34" charset="0"/>
                         </a:rPr>
-                        <a:t>Port the design spec over to LATEX.(Jake)</a:t>
+                        <a:t> with the Marvelmind sensors</a:t>
                       </a:r>
                     </a:p>
                     <a:p>
@@ -3760,7 +3835,7 @@
                           <a:ea typeface="+mn-ea"/>
                           <a:cs typeface="Calibri" pitchFamily="34" charset="0"/>
                         </a:rPr>
-                        <a:t>Having a meeting with Mike and making immediate goals and farther goals.</a:t>
+                        <a:t>Learn how to use ROS bag files for collecting data</a:t>
                       </a:r>
                     </a:p>
                     <a:p>
@@ -3796,79 +3871,7 @@
                           <a:ea typeface="+mn-ea"/>
                           <a:cs typeface="Calibri" pitchFamily="34" charset="0"/>
                         </a:rPr>
-                        <a:t>Update the current schedule with a more detailed and realistic timeframe.(Alex)</a:t>
-                      </a:r>
-                    </a:p>
-                    <a:p>
-                      <a:pPr marL="190500" marR="0" lvl="0" indent="-190500" algn="l" defTabSz="695325" rtl="0" eaLnBrk="1" fontAlgn="base" latinLnBrk="0" hangingPunct="1">
-                        <a:lnSpc>
-                          <a:spcPct val="90000"/>
-                        </a:lnSpc>
-                        <a:spcBef>
-                          <a:spcPct val="30000"/>
-                        </a:spcBef>
-                        <a:spcAft>
-                          <a:spcPct val="0"/>
-                        </a:spcAft>
-                        <a:buClr>
-                          <a:srgbClr val="0A1B5F"/>
-                        </a:buClr>
-                        <a:buSzTx/>
-                        <a:buFontTx/>
-                        <a:buChar char="•"/>
-                        <a:tabLst/>
-                        <a:defRPr/>
-                      </a:pPr>
-                      <a:r>
-                        <a:rPr kumimoji="0" lang="en-AU" sz="1000" b="0" i="0" u="none" strike="noStrike" kern="1200" cap="none" normalizeH="0" baseline="0" dirty="0">
-                          <a:ln>
-                            <a:noFill/>
-                          </a:ln>
-                          <a:solidFill>
-                            <a:schemeClr val="tx1"/>
-                          </a:solidFill>
-                          <a:effectLst/>
-                          <a:latin typeface="Calibri" pitchFamily="34" charset="0"/>
-                          <a:ea typeface="+mn-ea"/>
-                          <a:cs typeface="Calibri" pitchFamily="34" charset="0"/>
-                        </a:rPr>
-                        <a:t>Meet with Dr. McCourt next Friday.</a:t>
-                      </a:r>
-                    </a:p>
-                    <a:p>
-                      <a:pPr marL="190500" marR="0" lvl="0" indent="-190500" algn="l" defTabSz="695325" rtl="0" eaLnBrk="1" fontAlgn="base" latinLnBrk="0" hangingPunct="1">
-                        <a:lnSpc>
-                          <a:spcPct val="90000"/>
-                        </a:lnSpc>
-                        <a:spcBef>
-                          <a:spcPct val="30000"/>
-                        </a:spcBef>
-                        <a:spcAft>
-                          <a:spcPct val="0"/>
-                        </a:spcAft>
-                        <a:buClr>
-                          <a:srgbClr val="0A1B5F"/>
-                        </a:buClr>
-                        <a:buSzTx/>
-                        <a:buFontTx/>
-                        <a:buChar char="•"/>
-                        <a:tabLst/>
-                        <a:defRPr/>
-                      </a:pPr>
-                      <a:r>
-                        <a:rPr kumimoji="0" lang="en-AU" sz="1000" b="0" i="0" u="none" strike="noStrike" kern="1200" cap="none" normalizeH="0" baseline="0" dirty="0">
-                          <a:ln>
-                            <a:noFill/>
-                          </a:ln>
-                          <a:solidFill>
-                            <a:schemeClr val="tx1"/>
-                          </a:solidFill>
-                          <a:effectLst/>
-                          <a:latin typeface="Calibri" pitchFamily="34" charset="0"/>
-                          <a:ea typeface="+mn-ea"/>
-                          <a:cs typeface="Calibri" pitchFamily="34" charset="0"/>
-                        </a:rPr>
-                        <a:t>Get the drivers for camera installed. (Ammon)</a:t>
+                        <a:t>Use “go-to location” with Marvelmind sensors</a:t>
                       </a:r>
                     </a:p>
                   </a:txBody>
@@ -3993,7 +3996,7 @@
                       <a:headEnd type="none" w="med" len="med"/>
                       <a:tailEnd type="none" w="med" len="med"/>
                     </a:lnT>
-                    <a:lnB w="19050" cap="flat" cmpd="sng" algn="ctr">
+                    <a:lnB w="12700" cap="flat" cmpd="sng" algn="ctr">
                       <a:solidFill>
                         <a:schemeClr val="bg2"/>
                       </a:solidFill>
@@ -4016,6 +4019,99 @@
                 <a:extLst>
                   <a:ext uri="{0D108BD9-81ED-4DB2-BD59-A6C34878D82A}">
                     <a16:rowId xmlns:a16="http://schemas.microsoft.com/office/drawing/2014/main" val="16279642"/>
+                  </a:ext>
+                </a:extLst>
+              </a:tr>
+              <a:tr h="1027151">
+                <a:tc>
+                  <a:txBody>
+                    <a:bodyPr/>
+                    <a:lstStyle/>
+                    <a:p>
+                      <a:pPr marL="190500" marR="0" lvl="0" indent="-190500" algn="l" defTabSz="695325" rtl="0" eaLnBrk="1" fontAlgn="base" latinLnBrk="0" hangingPunct="1">
+                        <a:lnSpc>
+                          <a:spcPct val="90000"/>
+                        </a:lnSpc>
+                        <a:spcBef>
+                          <a:spcPct val="30000"/>
+                        </a:spcBef>
+                        <a:spcAft>
+                          <a:spcPct val="0"/>
+                        </a:spcAft>
+                        <a:buClr>
+                          <a:srgbClr val="0A1B5F"/>
+                        </a:buClr>
+                        <a:buSzTx/>
+                        <a:buFontTx/>
+                        <a:buChar char="•"/>
+                        <a:tabLst/>
+                        <a:defRPr/>
+                      </a:pPr>
+                      <a:endParaRPr kumimoji="0" lang="en-AU" sz="1000" b="0" i="0" u="none" strike="noStrike" kern="1200" cap="none" normalizeH="0" baseline="0" dirty="0">
+                        <a:ln>
+                          <a:noFill/>
+                        </a:ln>
+                        <a:solidFill>
+                          <a:schemeClr val="tx1"/>
+                        </a:solidFill>
+                        <a:effectLst/>
+                        <a:latin typeface="Calibri" pitchFamily="34" charset="0"/>
+                        <a:ea typeface="+mn-ea"/>
+                        <a:cs typeface="Calibri" pitchFamily="34" charset="0"/>
+                      </a:endParaRPr>
+                    </a:p>
+                  </a:txBody>
+                  <a:tcPr marL="83077" marR="83077" marT="54000" marB="54000" horzOverflow="overflow">
+                    <a:lnL w="12700" cap="flat" cmpd="sng" algn="ctr">
+                      <a:solidFill>
+                        <a:schemeClr val="tx1"/>
+                      </a:solidFill>
+                      <a:prstDash val="solid"/>
+                      <a:round/>
+                      <a:headEnd type="none" w="med" len="med"/>
+                      <a:tailEnd type="none" w="med" len="med"/>
+                    </a:lnL>
+                    <a:lnR w="12700" cap="flat" cmpd="sng" algn="ctr">
+                      <a:solidFill>
+                        <a:schemeClr val="tx1"/>
+                      </a:solidFill>
+                      <a:prstDash val="solid"/>
+                      <a:round/>
+                      <a:headEnd type="none" w="med" len="med"/>
+                      <a:tailEnd type="none" w="med" len="med"/>
+                    </a:lnR>
+                    <a:lnT w="12700" cap="flat" cmpd="sng" algn="ctr">
+                      <a:solidFill>
+                        <a:schemeClr val="bg2"/>
+                      </a:solidFill>
+                      <a:prstDash val="solid"/>
+                      <a:round/>
+                      <a:headEnd type="none" w="med" len="med"/>
+                      <a:tailEnd type="none" w="med" len="med"/>
+                    </a:lnT>
+                    <a:lnB w="19050" cap="flat" cmpd="sng" algn="ctr">
+                      <a:solidFill>
+                        <a:schemeClr val="bg2"/>
+                      </a:solidFill>
+                      <a:prstDash val="solid"/>
+                      <a:round/>
+                      <a:headEnd type="none" w="med" len="med"/>
+                      <a:tailEnd type="none" w="med" len="med"/>
+                    </a:lnB>
+                    <a:lnTlToBr>
+                      <a:noFill/>
+                    </a:lnTlToBr>
+                    <a:lnBlToTr>
+                      <a:noFill/>
+                    </a:lnBlToTr>
+                    <a:solidFill>
+                      <a:schemeClr val="bg1"/>
+                    </a:solidFill>
+                  </a:tcPr>
+                </a:tc>
+                <a:extLst>
+                  <a:ext uri="{0D108BD9-81ED-4DB2-BD59-A6C34878D82A}">
+                    <a16:rowId xmlns:a16="http://schemas.microsoft.com/office/drawing/2014/main" val="3016763044"/>
                   </a:ext>
                 </a:extLst>
               </a:tr>
@@ -4032,14 +4128,14 @@
           <p:nvPr>
             <p:extLst>
               <p:ext uri="{D42A27DB-BD31-4B8C-83A1-F6EECF244321}">
-                <p14:modId xmlns:p14="http://schemas.microsoft.com/office/powerpoint/2010/main" val="2107759235"/>
+                <p14:modId xmlns:p14="http://schemas.microsoft.com/office/powerpoint/2010/main" val="2464284926"/>
               </p:ext>
             </p:extLst>
           </p:nvPr>
         </p:nvGraphicFramePr>
         <p:xfrm>
           <a:off x="269896" y="5461488"/>
-          <a:ext cx="4286924" cy="1007598"/>
+          <a:ext cx="4286924" cy="1130400"/>
         </p:xfrm>
         <a:graphic>
           <a:graphicData uri="http://schemas.openxmlformats.org/drawingml/2006/table">
@@ -4189,7 +4285,42 @@
                           <a:latin typeface="Calibri" pitchFamily="34" charset="0"/>
                           <a:cs typeface="Calibri" pitchFamily="34" charset="0"/>
                         </a:rPr>
-                        <a:t>We’re behind by two weeks on our older schedule but on time for the current schedule.</a:t>
+                        <a:t>We blew past many of our deadlines we set for this week with unrealistic goals and being overwhelmed in embedded systems design.</a:t>
+                      </a:r>
+                    </a:p>
+                    <a:p>
+                      <a:pPr marL="190500" marR="0" lvl="0" indent="-190500" algn="l" defTabSz="695325" rtl="0" eaLnBrk="1" fontAlgn="base" latinLnBrk="0" hangingPunct="1">
+                        <a:lnSpc>
+                          <a:spcPct val="90000"/>
+                        </a:lnSpc>
+                        <a:spcBef>
+                          <a:spcPct val="30000"/>
+                        </a:spcBef>
+                        <a:spcAft>
+                          <a:spcPct val="0"/>
+                        </a:spcAft>
+                        <a:buClr>
+                          <a:srgbClr val="0A1B5F"/>
+                        </a:buClr>
+                        <a:buSzTx/>
+                        <a:buFontTx/>
+                        <a:buChar char="•"/>
+                        <a:tabLst/>
+                        <a:defRPr/>
+                      </a:pPr>
+                      <a:r>
+                        <a:rPr kumimoji="0" lang="en-AU" sz="1000" b="0" i="0" u="none" strike="noStrike" cap="none" normalizeH="0" baseline="0" dirty="0">
+                          <a:ln>
+                            <a:noFill/>
+                          </a:ln>
+                          <a:solidFill>
+                            <a:schemeClr val="tx1"/>
+                          </a:solidFill>
+                          <a:effectLst/>
+                          <a:latin typeface="Calibri" pitchFamily="34" charset="0"/>
+                          <a:cs typeface="Calibri" pitchFamily="34" charset="0"/>
+                        </a:rPr>
+                        <a:t>We are behind our schedule now and need to find the time to balance our two project based courses.</a:t>
                       </a:r>
                     </a:p>
                     <a:p>
@@ -8107,7 +8238,7 @@
             <a:pPr algn="r"/>
             <a:r>
               <a:rPr lang="en-US" sz="2400"/>
-              <a:t>1/17/2019 </a:t>
+              <a:t>1/24/2019 </a:t>
             </a:r>
             <a:endParaRPr lang="en-US" sz="2400" dirty="0"/>
           </a:p>
@@ -8756,6 +8887,53 @@
         <p:spPr>
           <a:xfrm>
             <a:off x="8421567" y="3517983"/>
+            <a:ext cx="228600" cy="181510"/>
+          </a:xfrm>
+          <a:prstGeom prst="ellipse">
+            <a:avLst/>
+          </a:prstGeom>
+          <a:solidFill>
+            <a:srgbClr val="FFFF00"/>
+          </a:solidFill>
+        </p:spPr>
+        <p:style>
+          <a:lnRef idx="1">
+            <a:schemeClr val="accent1"/>
+          </a:lnRef>
+          <a:fillRef idx="3">
+            <a:schemeClr val="accent1"/>
+          </a:fillRef>
+          <a:effectRef idx="2">
+            <a:schemeClr val="accent1"/>
+          </a:effectRef>
+          <a:fontRef idx="minor">
+            <a:schemeClr val="lt1"/>
+          </a:fontRef>
+        </p:style>
+        <p:txBody>
+          <a:bodyPr rtlCol="0" anchor="ctr"/>
+          <a:lstStyle/>
+          <a:p>
+            <a:pPr algn="ctr"/>
+            <a:endParaRPr lang="en-US"/>
+          </a:p>
+        </p:txBody>
+      </p:sp>
+      <p:sp>
+        <p:nvSpPr>
+          <p:cNvPr id="28" name="Oval 27">
+            <a:extLst>
+              <a:ext uri="{FF2B5EF4-FFF2-40B4-BE49-F238E27FC236}">
+                <a16:creationId xmlns:a16="http://schemas.microsoft.com/office/drawing/2014/main" id="{21424284-0C13-458E-B955-DC877A6DE366}"/>
+              </a:ext>
+            </a:extLst>
+          </p:cNvPr>
+          <p:cNvSpPr/>
+          <p:nvPr/>
+        </p:nvSpPr>
+        <p:spPr>
+          <a:xfrm>
+            <a:off x="6625861" y="1372701"/>
             <a:ext cx="228600" cy="181510"/>
           </a:xfrm>
           <a:prstGeom prst="ellipse">
